--- a/docs/diagrams/DependencyInjectionWithoutDIP.pptx
+++ b/docs/diagrams/DependencyInjectionWithoutDIP.pptx
@@ -208,7 +208,7 @@
           <a:p>
             <a:fld id="{F5CC4B3F-88C1-4FFA-B1B6-F41C21DC6924}" type="datetimeFigureOut">
               <a:rPr lang="en-US" smtClean="0"/>
-              <a:t>5/29/2019</a:t>
+              <a:t>6/17/2019</a:t>
             </a:fld>
             <a:endParaRPr lang="en-US"/>
           </a:p>
@@ -654,7 +654,7 @@
           <a:p>
             <a:fld id="{78C97017-6FC3-485B-9764-EAC9E56C1D49}" type="datetimeFigureOut">
               <a:rPr lang="en-US" smtClean="0"/>
-              <a:t>5/29/2019</a:t>
+              <a:t>6/17/2019</a:t>
             </a:fld>
             <a:endParaRPr lang="en-US"/>
           </a:p>
@@ -822,7 +822,7 @@
           <a:p>
             <a:fld id="{78C97017-6FC3-485B-9764-EAC9E56C1D49}" type="datetimeFigureOut">
               <a:rPr lang="en-US" smtClean="0"/>
-              <a:t>5/29/2019</a:t>
+              <a:t>6/17/2019</a:t>
             </a:fld>
             <a:endParaRPr lang="en-US"/>
           </a:p>
@@ -1000,7 +1000,7 @@
           <a:p>
             <a:fld id="{78C97017-6FC3-485B-9764-EAC9E56C1D49}" type="datetimeFigureOut">
               <a:rPr lang="en-US" smtClean="0"/>
-              <a:t>5/29/2019</a:t>
+              <a:t>6/17/2019</a:t>
             </a:fld>
             <a:endParaRPr lang="en-US"/>
           </a:p>
@@ -1168,7 +1168,7 @@
           <a:p>
             <a:fld id="{78C97017-6FC3-485B-9764-EAC9E56C1D49}" type="datetimeFigureOut">
               <a:rPr lang="en-US" smtClean="0"/>
-              <a:t>5/29/2019</a:t>
+              <a:t>6/17/2019</a:t>
             </a:fld>
             <a:endParaRPr lang="en-US"/>
           </a:p>
@@ -1413,7 +1413,7 @@
           <a:p>
             <a:fld id="{78C97017-6FC3-485B-9764-EAC9E56C1D49}" type="datetimeFigureOut">
               <a:rPr lang="en-US" smtClean="0"/>
-              <a:t>5/29/2019</a:t>
+              <a:t>6/17/2019</a:t>
             </a:fld>
             <a:endParaRPr lang="en-US"/>
           </a:p>
@@ -1698,7 +1698,7 @@
           <a:p>
             <a:fld id="{78C97017-6FC3-485B-9764-EAC9E56C1D49}" type="datetimeFigureOut">
               <a:rPr lang="en-US" smtClean="0"/>
-              <a:t>5/29/2019</a:t>
+              <a:t>6/17/2019</a:t>
             </a:fld>
             <a:endParaRPr lang="en-US"/>
           </a:p>
@@ -2117,7 +2117,7 @@
           <a:p>
             <a:fld id="{78C97017-6FC3-485B-9764-EAC9E56C1D49}" type="datetimeFigureOut">
               <a:rPr lang="en-US" smtClean="0"/>
-              <a:t>5/29/2019</a:t>
+              <a:t>6/17/2019</a:t>
             </a:fld>
             <a:endParaRPr lang="en-US"/>
           </a:p>
@@ -2234,7 +2234,7 @@
           <a:p>
             <a:fld id="{78C97017-6FC3-485B-9764-EAC9E56C1D49}" type="datetimeFigureOut">
               <a:rPr lang="en-US" smtClean="0"/>
-              <a:t>5/29/2019</a:t>
+              <a:t>6/17/2019</a:t>
             </a:fld>
             <a:endParaRPr lang="en-US"/>
           </a:p>
@@ -2329,7 +2329,7 @@
           <a:p>
             <a:fld id="{78C97017-6FC3-485B-9764-EAC9E56C1D49}" type="datetimeFigureOut">
               <a:rPr lang="en-US" smtClean="0"/>
-              <a:t>5/29/2019</a:t>
+              <a:t>6/17/2019</a:t>
             </a:fld>
             <a:endParaRPr lang="en-US"/>
           </a:p>
@@ -2604,7 +2604,7 @@
           <a:p>
             <a:fld id="{78C97017-6FC3-485B-9764-EAC9E56C1D49}" type="datetimeFigureOut">
               <a:rPr lang="en-US" smtClean="0"/>
-              <a:t>5/29/2019</a:t>
+              <a:t>6/17/2019</a:t>
             </a:fld>
             <a:endParaRPr lang="en-US"/>
           </a:p>
@@ -2856,7 +2856,7 @@
           <a:p>
             <a:fld id="{78C97017-6FC3-485B-9764-EAC9E56C1D49}" type="datetimeFigureOut">
               <a:rPr lang="en-US" smtClean="0"/>
-              <a:t>5/29/2019</a:t>
+              <a:t>6/17/2019</a:t>
             </a:fld>
             <a:endParaRPr lang="en-US"/>
           </a:p>
@@ -3067,7 +3067,7 @@
           <a:p>
             <a:fld id="{78C97017-6FC3-485B-9764-EAC9E56C1D49}" type="datetimeFigureOut">
               <a:rPr lang="en-US" smtClean="0"/>
-              <a:t>5/29/2019</a:t>
+              <a:t>6/17/2019</a:t>
             </a:fld>
             <a:endParaRPr lang="en-US"/>
           </a:p>
@@ -3442,95 +3442,29 @@
           <a:chExt cx="0" cy="0"/>
         </a:xfrm>
       </p:grpSpPr>
-      <p:sp>
-        <p:nvSpPr>
-          <p:cNvPr id="2" name="Rectangle 22">
+      <p:cxnSp>
+        <p:nvCxnSpPr>
+          <p:cNvPr id="11" name="Elbow Connector 40">
             <a:extLst>
               <a:ext uri="{FF2B5EF4-FFF2-40B4-BE49-F238E27FC236}">
-                <a16:creationId xmlns:a16="http://schemas.microsoft.com/office/drawing/2014/main" id="{31688083-E55D-4618-9A99-4D9D176B0302}"/>
-              </a:ext>
-            </a:extLst>
-          </p:cNvPr>
-          <p:cNvSpPr/>
-          <p:nvPr/>
-        </p:nvSpPr>
-        <p:spPr>
-          <a:xfrm>
-            <a:off x="4800600" y="3191638"/>
-            <a:ext cx="790193" cy="346760"/>
-          </a:xfrm>
-          <a:prstGeom prst="rect">
-            <a:avLst/>
-          </a:prstGeom>
-          <a:solidFill>
-            <a:srgbClr val="00B050"/>
-          </a:solidFill>
-          <a:ln w="19050">
-            <a:solidFill>
-              <a:srgbClr val="00B050"/>
-            </a:solidFill>
-          </a:ln>
-          <a:effectLst/>
-        </p:spPr>
-        <p:style>
-          <a:lnRef idx="1">
-            <a:schemeClr val="accent2"/>
-          </a:lnRef>
-          <a:fillRef idx="2">
-            <a:schemeClr val="accent2"/>
-          </a:fillRef>
-          <a:effectRef idx="1">
-            <a:schemeClr val="accent2"/>
-          </a:effectRef>
-          <a:fontRef idx="minor">
-            <a:schemeClr val="dk1"/>
-          </a:fontRef>
-        </p:style>
-        <p:txBody>
-          <a:bodyPr rtlCol="0" anchor="ctr"/>
-          <a:lstStyle/>
-          <a:p>
-            <a:pPr algn="ctr"/>
-            <a:r>
-              <a:rPr lang="en-US" sz="1050" dirty="0" err="1">
-                <a:solidFill>
-                  <a:schemeClr val="bg1"/>
-                </a:solidFill>
-              </a:rPr>
-              <a:t>StorageFile</a:t>
-            </a:r>
-            <a:endParaRPr lang="en-SG" sz="1050" dirty="0">
-              <a:solidFill>
-                <a:schemeClr val="bg1"/>
-              </a:solidFill>
-            </a:endParaRPr>
-          </a:p>
-        </p:txBody>
-      </p:sp>
-      <p:cxnSp>
-        <p:nvCxnSpPr>
-          <p:cNvPr id="3" name="Elbow Connector 40">
-            <a:extLst>
-              <a:ext uri="{FF2B5EF4-FFF2-40B4-BE49-F238E27FC236}">
-                <a16:creationId xmlns:a16="http://schemas.microsoft.com/office/drawing/2014/main" id="{22958244-C53D-4C82-8D37-5F1689359559}"/>
+                <a16:creationId xmlns:a16="http://schemas.microsoft.com/office/drawing/2014/main" id="{816F0FF5-E2CC-43F6-95AF-2AEEA31483E0}"/>
               </a:ext>
             </a:extLst>
           </p:cNvPr>
           <p:cNvCxnSpPr>
-            <a:stCxn id="4" idx="2"/>
-            <a:endCxn id="2" idx="0"/>
+            <a:cxnSpLocks/>
+            <a:stCxn id="12" idx="2"/>
+            <a:endCxn id="16" idx="0"/>
           </p:cNvCxnSpPr>
           <p:nvPr/>
         </p:nvCxnSpPr>
         <p:spPr>
-          <a:xfrm rot="16200000" flipH="1">
-            <a:off x="5037209" y="3033149"/>
-            <a:ext cx="316975" cy="1"/>
+          <a:xfrm>
+            <a:off x="5191232" y="3033412"/>
+            <a:ext cx="1" cy="269232"/>
           </a:xfrm>
-          <a:prstGeom prst="bentConnector3">
-            <a:avLst>
-              <a:gd name="adj1" fmla="val 50000"/>
-            </a:avLst>
+          <a:prstGeom prst="straightConnector1">
+            <a:avLst/>
           </a:prstGeom>
           <a:ln w="19050">
             <a:solidFill>
@@ -3558,10 +3492,10 @@
       </p:cxnSp>
       <p:sp>
         <p:nvSpPr>
-          <p:cNvPr id="4" name="Rectangle 65">
+          <p:cNvPr id="12" name="Rectangle 65">
             <a:extLst>
               <a:ext uri="{FF2B5EF4-FFF2-40B4-BE49-F238E27FC236}">
-                <a16:creationId xmlns:a16="http://schemas.microsoft.com/office/drawing/2014/main" id="{105755FD-E33A-4E15-B9A1-A00E2713F9C4}"/>
+                <a16:creationId xmlns:a16="http://schemas.microsoft.com/office/drawing/2014/main" id="{165A3C0A-EC93-43D6-B553-030BF25C804A}"/>
               </a:ext>
             </a:extLst>
           </p:cNvPr>
@@ -3570,8 +3504,8 @@
         </p:nvSpPr>
         <p:spPr>
           <a:xfrm>
-            <a:off x="4800600" y="2432051"/>
-            <a:ext cx="790192" cy="442612"/>
+            <a:off x="4648200" y="2590800"/>
+            <a:ext cx="1086064" cy="442612"/>
           </a:xfrm>
           <a:prstGeom prst="rect">
             <a:avLst/>
@@ -3606,12 +3540,12 @@
           <a:p>
             <a:pPr algn="ctr"/>
             <a:r>
-              <a:rPr lang="en-US" sz="1050" dirty="0">
+              <a:rPr lang="en-US" sz="1050" dirty="0" err="1">
                 <a:solidFill>
                   <a:schemeClr val="bg1"/>
                 </a:solidFill>
               </a:rPr>
-              <a:t>Logic</a:t>
+              <a:t>LogicManager</a:t>
             </a:r>
             <a:endParaRPr lang="en-SG" sz="1050" dirty="0">
               <a:solidFill>
@@ -3623,10 +3557,10 @@
       </p:sp>
       <p:sp>
         <p:nvSpPr>
-          <p:cNvPr id="5" name="Rectangle 65">
+          <p:cNvPr id="13" name="Rectangle 65">
             <a:extLst>
               <a:ext uri="{FF2B5EF4-FFF2-40B4-BE49-F238E27FC236}">
-                <a16:creationId xmlns:a16="http://schemas.microsoft.com/office/drawing/2014/main" id="{02296CAF-0941-4F83-A5B7-CCEB360225A7}"/>
+                <a16:creationId xmlns:a16="http://schemas.microsoft.com/office/drawing/2014/main" id="{C53AC229-3676-45BD-892A-F2CD081E5FD4}"/>
               </a:ext>
             </a:extLst>
           </p:cNvPr>
@@ -3635,8 +3569,8 @@
         </p:nvSpPr>
         <p:spPr>
           <a:xfrm>
-            <a:off x="3124200" y="2438400"/>
-            <a:ext cx="790192" cy="442612"/>
+            <a:off x="2921102" y="2597149"/>
+            <a:ext cx="1207795" cy="442612"/>
           </a:xfrm>
           <a:prstGeom prst="rect">
             <a:avLst/>
@@ -3668,7 +3602,7 @@
                   <a:srgbClr val="0070C0"/>
                 </a:solidFill>
               </a:rPr>
-              <a:t>LogicTest</a:t>
+              <a:t>LogicManagerTest</a:t>
             </a:r>
             <a:endParaRPr lang="en-SG" sz="1050" dirty="0">
               <a:solidFill>
@@ -3680,28 +3614,27 @@
       </p:sp>
       <p:cxnSp>
         <p:nvCxnSpPr>
-          <p:cNvPr id="6" name="Elbow Connector 40">
+          <p:cNvPr id="14" name="Elbow Connector 40">
             <a:extLst>
               <a:ext uri="{FF2B5EF4-FFF2-40B4-BE49-F238E27FC236}">
-                <a16:creationId xmlns:a16="http://schemas.microsoft.com/office/drawing/2014/main" id="{1727A561-A4FC-414A-B465-C5335546AC76}"/>
+                <a16:creationId xmlns:a16="http://schemas.microsoft.com/office/drawing/2014/main" id="{888EADC2-99C7-4E32-881B-2ED01F89C917}"/>
               </a:ext>
             </a:extLst>
           </p:cNvPr>
           <p:cNvCxnSpPr>
-            <a:stCxn id="5" idx="3"/>
-            <a:endCxn id="4" idx="1"/>
+            <a:cxnSpLocks/>
+            <a:stCxn id="13" idx="3"/>
+            <a:endCxn id="12" idx="1"/>
           </p:cNvCxnSpPr>
           <p:nvPr/>
         </p:nvCxnSpPr>
         <p:spPr>
           <a:xfrm flipV="1">
-            <a:off x="3914392" y="2653357"/>
-            <a:ext cx="886208" cy="6349"/>
+            <a:off x="4128897" y="2812106"/>
+            <a:ext cx="519303" cy="6349"/>
           </a:xfrm>
-          <a:prstGeom prst="bentConnector3">
-            <a:avLst>
-              <a:gd name="adj1" fmla="val 50000"/>
-            </a:avLst>
+          <a:prstGeom prst="straightConnector1">
+            <a:avLst/>
           </a:prstGeom>
           <a:ln w="19050">
             <a:solidFill>
@@ -3730,23 +3663,24 @@
       </p:cxnSp>
       <p:cxnSp>
         <p:nvCxnSpPr>
-          <p:cNvPr id="7" name="Elbow Connector 40">
+          <p:cNvPr id="15" name="Elbow Connector 40">
             <a:extLst>
               <a:ext uri="{FF2B5EF4-FFF2-40B4-BE49-F238E27FC236}">
-                <a16:creationId xmlns:a16="http://schemas.microsoft.com/office/drawing/2014/main" id="{89D4B23F-2656-460F-929F-63971798C589}"/>
+                <a16:creationId xmlns:a16="http://schemas.microsoft.com/office/drawing/2014/main" id="{080FEE59-257C-4A81-962F-80385A13D724}"/>
               </a:ext>
             </a:extLst>
           </p:cNvPr>
           <p:cNvCxnSpPr>
-            <a:stCxn id="5" idx="2"/>
-            <a:endCxn id="8" idx="1"/>
+            <a:cxnSpLocks/>
+            <a:stCxn id="13" idx="2"/>
+            <a:endCxn id="20" idx="1"/>
           </p:cNvCxnSpPr>
           <p:nvPr/>
         </p:nvCxnSpPr>
         <p:spPr>
           <a:xfrm rot="16200000" flipH="1">
-            <a:off x="3546858" y="2853450"/>
-            <a:ext cx="1162683" cy="1217806"/>
+            <a:off x="3281387" y="3283374"/>
+            <a:ext cx="1610426" cy="1123200"/>
           </a:xfrm>
           <a:prstGeom prst="bentConnector2">
             <a:avLst/>
@@ -3778,10 +3712,10 @@
       </p:cxnSp>
       <p:sp>
         <p:nvSpPr>
-          <p:cNvPr id="8" name="Rectangle 22">
+          <p:cNvPr id="16" name="Rectangle 22">
             <a:extLst>
               <a:ext uri="{FF2B5EF4-FFF2-40B4-BE49-F238E27FC236}">
-                <a16:creationId xmlns:a16="http://schemas.microsoft.com/office/drawing/2014/main" id="{06F2B6F9-FA6B-4156-AEB5-C952824B17D7}"/>
+                <a16:creationId xmlns:a16="http://schemas.microsoft.com/office/drawing/2014/main" id="{D90BF901-5A84-4959-9173-2B34B8E3AFE8}"/>
               </a:ext>
             </a:extLst>
           </p:cNvPr>
@@ -3790,16 +3724,250 @@
         </p:nvSpPr>
         <p:spPr>
           <a:xfrm>
-            <a:off x="4737102" y="3870315"/>
-            <a:ext cx="865573" cy="346760"/>
+            <a:off x="4648201" y="3302644"/>
+            <a:ext cx="1086064" cy="346760"/>
           </a:xfrm>
           <a:prstGeom prst="rect">
             <a:avLst/>
           </a:prstGeom>
-          <a:noFill/>
+          <a:solidFill>
+            <a:srgbClr val="E46C0A"/>
+          </a:solidFill>
+          <a:ln w="19050">
+            <a:noFill/>
+          </a:ln>
+          <a:effectLst/>
+        </p:spPr>
+        <p:style>
+          <a:lnRef idx="1">
+            <a:schemeClr val="accent2"/>
+          </a:lnRef>
+          <a:fillRef idx="2">
+            <a:schemeClr val="accent2"/>
+          </a:fillRef>
+          <a:effectRef idx="1">
+            <a:schemeClr val="accent2"/>
+          </a:effectRef>
+          <a:fontRef idx="minor">
+            <a:schemeClr val="dk1"/>
+          </a:fontRef>
+        </p:style>
+        <p:txBody>
+          <a:bodyPr rtlCol="0" anchor="ctr"/>
+          <a:lstStyle/>
+          <a:p>
+            <a:pPr algn="ctr"/>
+            <a:r>
+              <a:rPr lang="en-SG" sz="1050" dirty="0">
+                <a:solidFill>
+                  <a:schemeClr val="bg1"/>
+                </a:solidFill>
+              </a:rPr>
+              <a:t>&lt;&lt;interface&gt;&gt;</a:t>
+            </a:r>
+          </a:p>
+          <a:p>
+            <a:pPr algn="ctr"/>
+            <a:r>
+              <a:rPr lang="en-SG" sz="1050" dirty="0">
+                <a:solidFill>
+                  <a:schemeClr val="bg1"/>
+                </a:solidFill>
+              </a:rPr>
+              <a:t>Storage</a:t>
+            </a:r>
+          </a:p>
+        </p:txBody>
+      </p:sp>
+      <p:sp>
+        <p:nvSpPr>
+          <p:cNvPr id="17" name="Rectangle 22">
+            <a:extLst>
+              <a:ext uri="{FF2B5EF4-FFF2-40B4-BE49-F238E27FC236}">
+                <a16:creationId xmlns:a16="http://schemas.microsoft.com/office/drawing/2014/main" id="{51403776-4714-4476-AF1E-723E15417DD5}"/>
+              </a:ext>
+            </a:extLst>
+          </p:cNvPr>
+          <p:cNvSpPr/>
+          <p:nvPr/>
+        </p:nvSpPr>
+        <p:spPr>
+          <a:xfrm>
+            <a:off x="4637591" y="3900190"/>
+            <a:ext cx="1096673" cy="346760"/>
+          </a:xfrm>
+          <a:prstGeom prst="rect">
+            <a:avLst/>
+          </a:prstGeom>
+          <a:solidFill>
+            <a:srgbClr val="E46C0A"/>
+          </a:solidFill>
+          <a:ln w="19050">
+            <a:noFill/>
+          </a:ln>
+          <a:effectLst/>
+        </p:spPr>
+        <p:style>
+          <a:lnRef idx="1">
+            <a:schemeClr val="accent2"/>
+          </a:lnRef>
+          <a:fillRef idx="2">
+            <a:schemeClr val="accent2"/>
+          </a:fillRef>
+          <a:effectRef idx="1">
+            <a:schemeClr val="accent2"/>
+          </a:effectRef>
+          <a:fontRef idx="minor">
+            <a:schemeClr val="dk1"/>
+          </a:fontRef>
+        </p:style>
+        <p:txBody>
+          <a:bodyPr rtlCol="0" anchor="ctr"/>
+          <a:lstStyle/>
+          <a:p>
+            <a:pPr algn="ctr"/>
+            <a:r>
+              <a:rPr lang="en-US" sz="1050" dirty="0" err="1">
+                <a:solidFill>
+                  <a:schemeClr val="bg1"/>
+                </a:solidFill>
+              </a:rPr>
+              <a:t>StorageManager</a:t>
+            </a:r>
+            <a:endParaRPr lang="en-SG" sz="1050" dirty="0">
+              <a:solidFill>
+                <a:schemeClr val="bg1"/>
+              </a:solidFill>
+            </a:endParaRPr>
+          </a:p>
+        </p:txBody>
+      </p:sp>
+      <p:cxnSp>
+        <p:nvCxnSpPr>
+          <p:cNvPr id="18" name="Elbow Connector 103">
+            <a:extLst>
+              <a:ext uri="{FF2B5EF4-FFF2-40B4-BE49-F238E27FC236}">
+                <a16:creationId xmlns:a16="http://schemas.microsoft.com/office/drawing/2014/main" id="{DF74DF02-AF3E-423A-96BA-106A34E17391}"/>
+              </a:ext>
+            </a:extLst>
+          </p:cNvPr>
+          <p:cNvCxnSpPr>
+            <a:cxnSpLocks/>
+            <a:stCxn id="16" idx="2"/>
+            <a:endCxn id="17" idx="0"/>
+          </p:cNvCxnSpPr>
+          <p:nvPr/>
+        </p:nvCxnSpPr>
+        <p:spPr>
+          <a:xfrm flipH="1">
+            <a:off x="5185928" y="3649404"/>
+            <a:ext cx="5305" cy="250786"/>
+          </a:xfrm>
+          <a:prstGeom prst="straightConnector1">
+            <a:avLst/>
+          </a:prstGeom>
           <a:ln w="19050">
             <a:solidFill>
-              <a:srgbClr val="00B050"/>
+              <a:srgbClr val="E46C0A"/>
+            </a:solidFill>
+            <a:prstDash val="sysDot"/>
+            <a:headEnd type="none" w="med" len="med"/>
+            <a:tailEnd type="none" w="med" len="med"/>
+          </a:ln>
+          <a:effectLst/>
+        </p:spPr>
+        <p:style>
+          <a:lnRef idx="1">
+            <a:schemeClr val="accent2"/>
+          </a:lnRef>
+          <a:fillRef idx="2">
+            <a:schemeClr val="accent2"/>
+          </a:fillRef>
+          <a:effectRef idx="1">
+            <a:schemeClr val="accent2"/>
+          </a:effectRef>
+          <a:fontRef idx="minor">
+            <a:schemeClr val="dk1"/>
+          </a:fontRef>
+        </p:style>
+      </p:cxnSp>
+      <p:sp>
+        <p:nvSpPr>
+          <p:cNvPr id="19" name="Isosceles Triangle 102">
+            <a:extLst>
+              <a:ext uri="{FF2B5EF4-FFF2-40B4-BE49-F238E27FC236}">
+                <a16:creationId xmlns:a16="http://schemas.microsoft.com/office/drawing/2014/main" id="{2E5424D1-0070-4064-B5A4-8FF6D54FB1C5}"/>
+              </a:ext>
+            </a:extLst>
+          </p:cNvPr>
+          <p:cNvSpPr/>
+          <p:nvPr/>
+        </p:nvSpPr>
+        <p:spPr>
+          <a:xfrm rot="10800000" flipV="1">
+            <a:off x="5055980" y="3649404"/>
+            <a:ext cx="270504" cy="175523"/>
+          </a:xfrm>
+          <a:prstGeom prst="triangle">
+            <a:avLst/>
+          </a:prstGeom>
+          <a:solidFill>
+            <a:srgbClr val="E46C0A"/>
+          </a:solidFill>
+          <a:ln>
+            <a:noFill/>
+          </a:ln>
+          <a:effectLst/>
+        </p:spPr>
+        <p:style>
+          <a:lnRef idx="1">
+            <a:schemeClr val="accent3"/>
+          </a:lnRef>
+          <a:fillRef idx="2">
+            <a:schemeClr val="accent3"/>
+          </a:fillRef>
+          <a:effectRef idx="1">
+            <a:schemeClr val="accent3"/>
+          </a:effectRef>
+          <a:fontRef idx="minor">
+            <a:schemeClr val="dk1"/>
+          </a:fontRef>
+        </p:style>
+        <p:txBody>
+          <a:bodyPr rtlCol="0" anchor="ctr"/>
+          <a:lstStyle/>
+          <a:p>
+            <a:pPr algn="ctr"/>
+            <a:endParaRPr lang="en-SG" sz="1050"/>
+          </a:p>
+        </p:txBody>
+      </p:sp>
+      <p:sp>
+        <p:nvSpPr>
+          <p:cNvPr id="20" name="Rectangle 22">
+            <a:extLst>
+              <a:ext uri="{FF2B5EF4-FFF2-40B4-BE49-F238E27FC236}">
+                <a16:creationId xmlns:a16="http://schemas.microsoft.com/office/drawing/2014/main" id="{8825EE08-137D-41F2-9552-82E0F8A7BD33}"/>
+              </a:ext>
+            </a:extLst>
+          </p:cNvPr>
+          <p:cNvSpPr/>
+          <p:nvPr/>
+        </p:nvSpPr>
+        <p:spPr>
+          <a:xfrm>
+            <a:off x="4648200" y="4476807"/>
+            <a:ext cx="1086064" cy="346760"/>
+          </a:xfrm>
+          <a:prstGeom prst="rect">
+            <a:avLst/>
+          </a:prstGeom>
+          <a:solidFill>
+            <a:schemeClr val="bg1"/>
+          </a:solidFill>
+          <a:ln w="19050">
+            <a:solidFill>
+              <a:srgbClr val="E46C0A"/>
             </a:solidFill>
           </a:ln>
           <a:effectLst/>
@@ -3826,97 +3994,45 @@
             <a:r>
               <a:rPr lang="en-US" sz="1050" dirty="0" err="1">
                 <a:solidFill>
-                  <a:srgbClr val="00B050"/>
+                  <a:srgbClr val="E46C0A"/>
                 </a:solidFill>
               </a:rPr>
               <a:t>StorageStub</a:t>
             </a:r>
             <a:endParaRPr lang="en-SG" sz="1050" dirty="0">
               <a:solidFill>
-                <a:srgbClr val="00B050"/>
+                <a:srgbClr val="E46C0A"/>
               </a:solidFill>
             </a:endParaRPr>
           </a:p>
         </p:txBody>
       </p:sp>
-      <p:sp>
-        <p:nvSpPr>
-          <p:cNvPr id="9" name="Isosceles Triangle 102">
+      <p:cxnSp>
+        <p:nvCxnSpPr>
+          <p:cNvPr id="23" name="Elbow Connector 103">
             <a:extLst>
               <a:ext uri="{FF2B5EF4-FFF2-40B4-BE49-F238E27FC236}">
-                <a16:creationId xmlns:a16="http://schemas.microsoft.com/office/drawing/2014/main" id="{3E809A61-BE26-40B3-BCA2-ABCE60727CBE}"/>
-              </a:ext>
-            </a:extLst>
-          </p:cNvPr>
-          <p:cNvSpPr/>
-          <p:nvPr/>
-        </p:nvSpPr>
-        <p:spPr>
-          <a:xfrm rot="10800000" flipV="1">
-            <a:off x="5033472" y="3538398"/>
-            <a:ext cx="270504" cy="175523"/>
-          </a:xfrm>
-          <a:prstGeom prst="triangle">
-            <a:avLst/>
-          </a:prstGeom>
-          <a:ln>
-            <a:solidFill>
-              <a:srgbClr val="00B050"/>
-            </a:solidFill>
-          </a:ln>
-          <a:effectLst/>
-        </p:spPr>
-        <p:style>
-          <a:lnRef idx="1">
-            <a:schemeClr val="accent3"/>
-          </a:lnRef>
-          <a:fillRef idx="2">
-            <a:schemeClr val="accent3"/>
-          </a:fillRef>
-          <a:effectRef idx="1">
-            <a:schemeClr val="accent3"/>
-          </a:effectRef>
-          <a:fontRef idx="minor">
-            <a:schemeClr val="dk1"/>
-          </a:fontRef>
-        </p:style>
-        <p:txBody>
-          <a:bodyPr rtlCol="0" anchor="ctr"/>
-          <a:lstStyle/>
-          <a:p>
-            <a:pPr algn="ctr"/>
-            <a:endParaRPr lang="en-SG" sz="1050"/>
-          </a:p>
-        </p:txBody>
-      </p:sp>
-      <p:cxnSp>
-        <p:nvCxnSpPr>
-          <p:cNvPr id="10" name="Elbow Connector 103">
-            <a:extLst>
-              <a:ext uri="{FF2B5EF4-FFF2-40B4-BE49-F238E27FC236}">
-                <a16:creationId xmlns:a16="http://schemas.microsoft.com/office/drawing/2014/main" id="{119E17F1-4257-45E6-A89F-BBAB08D106DD}"/>
+                <a16:creationId xmlns:a16="http://schemas.microsoft.com/office/drawing/2014/main" id="{4829EF1A-A5B1-4509-8016-17837B5F9BAF}"/>
               </a:ext>
             </a:extLst>
           </p:cNvPr>
           <p:cNvCxnSpPr>
-            <a:stCxn id="9" idx="3"/>
-            <a:endCxn id="8" idx="0"/>
+            <a:cxnSpLocks/>
+            <a:endCxn id="20" idx="0"/>
           </p:cNvCxnSpPr>
           <p:nvPr/>
         </p:nvCxnSpPr>
         <p:spPr>
-          <a:xfrm rot="16200000" flipH="1">
-            <a:off x="5091109" y="3791535"/>
-            <a:ext cx="156394" cy="1165"/>
+          <a:xfrm>
+            <a:off x="5185930" y="4246651"/>
+            <a:ext cx="5302" cy="230156"/>
           </a:xfrm>
-          <a:prstGeom prst="bentConnector3">
-            <a:avLst>
-              <a:gd name="adj1" fmla="val 50000"/>
-            </a:avLst>
+          <a:prstGeom prst="straightConnector1">
+            <a:avLst/>
           </a:prstGeom>
           <a:ln w="19050">
             <a:solidFill>
-              <a:srgbClr val="00B050"/>
+              <a:srgbClr val="E46C0A"/>
             </a:solidFill>
             <a:prstDash val="solid"/>
             <a:headEnd type="none" w="med" len="med"/>
@@ -3939,6 +4055,57 @@
           </a:fontRef>
         </p:style>
       </p:cxnSp>
+      <p:sp>
+        <p:nvSpPr>
+          <p:cNvPr id="24" name="Isosceles Triangle 102">
+            <a:extLst>
+              <a:ext uri="{FF2B5EF4-FFF2-40B4-BE49-F238E27FC236}">
+                <a16:creationId xmlns:a16="http://schemas.microsoft.com/office/drawing/2014/main" id="{3B9AB98E-E17A-4385-ABBF-260D27CE5611}"/>
+              </a:ext>
+            </a:extLst>
+          </p:cNvPr>
+          <p:cNvSpPr/>
+          <p:nvPr/>
+        </p:nvSpPr>
+        <p:spPr>
+          <a:xfrm rot="10800000" flipV="1">
+            <a:off x="5050675" y="4215815"/>
+            <a:ext cx="270504" cy="175523"/>
+          </a:xfrm>
+          <a:prstGeom prst="triangle">
+            <a:avLst/>
+          </a:prstGeom>
+          <a:solidFill>
+            <a:srgbClr val="E46C0A"/>
+          </a:solidFill>
+          <a:ln>
+            <a:noFill/>
+          </a:ln>
+          <a:effectLst/>
+        </p:spPr>
+        <p:style>
+          <a:lnRef idx="1">
+            <a:schemeClr val="accent3"/>
+          </a:lnRef>
+          <a:fillRef idx="2">
+            <a:schemeClr val="accent3"/>
+          </a:fillRef>
+          <a:effectRef idx="1">
+            <a:schemeClr val="accent3"/>
+          </a:effectRef>
+          <a:fontRef idx="minor">
+            <a:schemeClr val="dk1"/>
+          </a:fontRef>
+        </p:style>
+        <p:txBody>
+          <a:bodyPr rtlCol="0" anchor="ctr"/>
+          <a:lstStyle/>
+          <a:p>
+            <a:pPr algn="ctr"/>
+            <a:endParaRPr lang="en-SG" sz="1050"/>
+          </a:p>
+        </p:txBody>
+      </p:sp>
     </p:spTree>
     <p:extLst>
       <p:ext uri="{BB962C8B-B14F-4D97-AF65-F5344CB8AC3E}">
